--- a/xCode/presentation_xcode.pptx
+++ b/xCode/presentation_xcode.pptx
@@ -10,7 +10,9 @@
     <p:sldId id="261" r:id="rId4"/>
     <p:sldId id="258" r:id="rId5"/>
     <p:sldId id="259" r:id="rId6"/>
-    <p:sldId id="260" r:id="rId7"/>
+    <p:sldId id="262" r:id="rId7"/>
+    <p:sldId id="263" r:id="rId8"/>
+    <p:sldId id="260" r:id="rId9"/>
   </p:sldIdLst>
   <p:sldSz cx="12192000" cy="6858000"/>
   <p:notesSz cx="6858000" cy="9144000"/>
@@ -109,13 +111,18 @@
       </a:defRPr>
     </a:lvl9pPr>
   </p:defaultTextStyle>
+  <p:extLst>
+    <p:ext uri="{EFAFB233-063F-42B5-8137-9DF3F51BA10A}">
+      <p15:sldGuideLst xmlns:p15="http://schemas.microsoft.com/office/powerpoint/2012/main"/>
+    </p:ext>
+  </p:extLst>
 </p:presentation>
 </file>
 
 <file path=ppt/revisionInfo.xml><?xml version="1.0" encoding="utf-8"?>
 <p1510:revInfo xmlns:a="http://schemas.openxmlformats.org/drawingml/2006/main" xmlns:r="http://schemas.openxmlformats.org/officeDocument/2006/relationships" xmlns:p1510="http://schemas.microsoft.com/office/powerpoint/2015/10/main">
   <p1510:revLst>
-    <p1510:client id="{2D63D9F7-A97F-408D-9805-E0532314E528}" v="11" dt="2025-10-30T10:39:17.227"/>
+    <p1510:client id="{2D63D9F7-A97F-408D-9805-E0532314E528}" v="12" dt="2025-11-04T07:23:15.977"/>
   </p1510:revLst>
 </p1510:revInfo>
 </file>
@@ -125,7 +132,7 @@
   <pc:docChgLst>
     <pc:chgData name="ARES Christopher" userId="3ff7c12f-b86a-47e0-a114-f78cf92fe63b" providerId="ADAL" clId="{F4340093-B49D-4826-BB78-B08898E27A1C}"/>
     <pc:docChg chg="custSel addSld modSld sldOrd">
-      <pc:chgData name="ARES Christopher" userId="3ff7c12f-b86a-47e0-a114-f78cf92fe63b" providerId="ADAL" clId="{F4340093-B49D-4826-BB78-B08898E27A1C}" dt="2025-10-30T10:56:42.317" v="385" actId="1076"/>
+      <pc:chgData name="ARES Christopher" userId="3ff7c12f-b86a-47e0-a114-f78cf92fe63b" providerId="ADAL" clId="{F4340093-B49D-4826-BB78-B08898E27A1C}" dt="2025-11-04T07:24:34.932" v="399" actId="478"/>
       <pc:docMkLst>
         <pc:docMk/>
       </pc:docMkLst>
@@ -141,22 +148,6 @@
             <pc:docMk/>
             <pc:sldMk cId="1108696723" sldId="257"/>
             <ac:spMk id="2" creationId="{3C1C79B7-862F-2B68-EA31-82E155CD0775}"/>
-          </ac:spMkLst>
-        </pc:spChg>
-        <pc:spChg chg="del">
-          <ac:chgData name="ARES Christopher" userId="3ff7c12f-b86a-47e0-a114-f78cf92fe63b" providerId="ADAL" clId="{F4340093-B49D-4826-BB78-B08898E27A1C}" dt="2025-10-30T10:23:57.979" v="13" actId="478"/>
-          <ac:spMkLst>
-            <pc:docMk/>
-            <pc:sldMk cId="1108696723" sldId="257"/>
-            <ac:spMk id="3" creationId="{67D4DD13-463F-9036-5E2D-9667AFA2F5FB}"/>
-          </ac:spMkLst>
-        </pc:spChg>
-        <pc:spChg chg="add del mod">
-          <ac:chgData name="ARES Christopher" userId="3ff7c12f-b86a-47e0-a114-f78cf92fe63b" providerId="ADAL" clId="{F4340093-B49D-4826-BB78-B08898E27A1C}" dt="2025-10-30T10:24:04.963" v="16"/>
-          <ac:spMkLst>
-            <pc:docMk/>
-            <pc:sldMk cId="1108696723" sldId="257"/>
-            <ac:spMk id="4" creationId="{A49A2D2C-B859-C286-5D2B-713F1C7C82A5}"/>
           </ac:spMkLst>
         </pc:spChg>
         <pc:spChg chg="add mod">
@@ -183,14 +174,6 @@
             <ac:spMk id="7" creationId="{59C25B19-D727-B5DF-8EAD-28319C6A1E09}"/>
           </ac:spMkLst>
         </pc:spChg>
-        <pc:spChg chg="add del mod">
-          <ac:chgData name="ARES Christopher" userId="3ff7c12f-b86a-47e0-a114-f78cf92fe63b" providerId="ADAL" clId="{F4340093-B49D-4826-BB78-B08898E27A1C}" dt="2025-10-30T10:29:09.450" v="117"/>
-          <ac:spMkLst>
-            <pc:docMk/>
-            <pc:sldMk cId="1108696723" sldId="257"/>
-            <ac:spMk id="8" creationId="{86C2036D-9BB2-19D1-972D-03061B04111C}"/>
-          </ac:spMkLst>
-        </pc:spChg>
         <pc:picChg chg="add mod">
           <ac:chgData name="ARES Christopher" userId="3ff7c12f-b86a-47e0-a114-f78cf92fe63b" providerId="ADAL" clId="{F4340093-B49D-4826-BB78-B08898E27A1C}" dt="2025-10-30T10:32:08.128" v="139" actId="1076"/>
           <ac:picMkLst>
@@ -214,21 +197,69 @@
             <ac:spMk id="2" creationId="{35E28723-B34B-C6DF-91EC-A48027F8CF1A}"/>
           </ac:spMkLst>
         </pc:spChg>
-        <pc:spChg chg="del mod">
-          <ac:chgData name="ARES Christopher" userId="3ff7c12f-b86a-47e0-a114-f78cf92fe63b" providerId="ADAL" clId="{F4340093-B49D-4826-BB78-B08898E27A1C}" dt="2025-10-30T10:39:41.502" v="336" actId="478"/>
-          <ac:spMkLst>
-            <pc:docMk/>
-            <pc:sldMk cId="541256428" sldId="258"/>
-            <ac:spMk id="3" creationId="{2854CC02-7418-5256-7063-A9930C4AF5FE}"/>
-          </ac:spMkLst>
-        </pc:spChg>
       </pc:sldChg>
-      <pc:sldChg chg="new">
-        <pc:chgData name="ARES Christopher" userId="3ff7c12f-b86a-47e0-a114-f78cf92fe63b" providerId="ADAL" clId="{F4340093-B49D-4826-BB78-B08898E27A1C}" dt="2025-10-30T10:33:03.760" v="147" actId="680"/>
+      <pc:sldChg chg="addSp delSp modSp new mod setBg setClrOvrMap">
+        <pc:chgData name="ARES Christopher" userId="3ff7c12f-b86a-47e0-a114-f78cf92fe63b" providerId="ADAL" clId="{F4340093-B49D-4826-BB78-B08898E27A1C}" dt="2025-11-04T07:23:29.684" v="393" actId="26606"/>
         <pc:sldMkLst>
           <pc:docMk/>
           <pc:sldMk cId="4271880762" sldId="259"/>
         </pc:sldMkLst>
+        <pc:spChg chg="del">
+          <ac:chgData name="ARES Christopher" userId="3ff7c12f-b86a-47e0-a114-f78cf92fe63b" providerId="ADAL" clId="{F4340093-B49D-4826-BB78-B08898E27A1C}" dt="2025-11-04T07:23:01.373" v="387" actId="478"/>
+          <ac:spMkLst>
+            <pc:docMk/>
+            <pc:sldMk cId="4271880762" sldId="259"/>
+            <ac:spMk id="2" creationId="{9C2E6B18-B131-27AB-7C3E-6CE9AAFA8AB5}"/>
+          </ac:spMkLst>
+        </pc:spChg>
+        <pc:spChg chg="del">
+          <ac:chgData name="ARES Christopher" userId="3ff7c12f-b86a-47e0-a114-f78cf92fe63b" providerId="ADAL" clId="{F4340093-B49D-4826-BB78-B08898E27A1C}" dt="2025-11-04T07:23:00.020" v="386" actId="478"/>
+          <ac:spMkLst>
+            <pc:docMk/>
+            <pc:sldMk cId="4271880762" sldId="259"/>
+            <ac:spMk id="3" creationId="{99E2C55F-B30D-62D0-2511-1CF61662F87C}"/>
+          </ac:spMkLst>
+        </pc:spChg>
+        <pc:spChg chg="add">
+          <ac:chgData name="ARES Christopher" userId="3ff7c12f-b86a-47e0-a114-f78cf92fe63b" providerId="ADAL" clId="{F4340093-B49D-4826-BB78-B08898E27A1C}" dt="2025-11-04T07:23:29.684" v="393" actId="26606"/>
+          <ac:spMkLst>
+            <pc:docMk/>
+            <pc:sldMk cId="4271880762" sldId="259"/>
+            <ac:spMk id="12" creationId="{6DC4C138-BBE2-4601-9B27-F6960A44C582}"/>
+          </ac:spMkLst>
+        </pc:spChg>
+        <pc:spChg chg="add">
+          <ac:chgData name="ARES Christopher" userId="3ff7c12f-b86a-47e0-a114-f78cf92fe63b" providerId="ADAL" clId="{F4340093-B49D-4826-BB78-B08898E27A1C}" dt="2025-11-04T07:23:29.684" v="393" actId="26606"/>
+          <ac:spMkLst>
+            <pc:docMk/>
+            <pc:sldMk cId="4271880762" sldId="259"/>
+            <ac:spMk id="14" creationId="{F6555DCA-BE6B-44B7-A0E9-3DF12F930625}"/>
+          </ac:spMkLst>
+        </pc:spChg>
+        <pc:spChg chg="add">
+          <ac:chgData name="ARES Christopher" userId="3ff7c12f-b86a-47e0-a114-f78cf92fe63b" providerId="ADAL" clId="{F4340093-B49D-4826-BB78-B08898E27A1C}" dt="2025-11-04T07:23:29.684" v="393" actId="26606"/>
+          <ac:spMkLst>
+            <pc:docMk/>
+            <pc:sldMk cId="4271880762" sldId="259"/>
+            <ac:spMk id="16" creationId="{7907E280-0DE1-4EDB-A8C9-5C995CAC3C9F}"/>
+          </ac:spMkLst>
+        </pc:spChg>
+        <pc:picChg chg="add mod">
+          <ac:chgData name="ARES Christopher" userId="3ff7c12f-b86a-47e0-a114-f78cf92fe63b" providerId="ADAL" clId="{F4340093-B49D-4826-BB78-B08898E27A1C}" dt="2025-11-04T07:23:29.684" v="393" actId="26606"/>
+          <ac:picMkLst>
+            <pc:docMk/>
+            <pc:sldMk cId="4271880762" sldId="259"/>
+            <ac:picMk id="5" creationId="{7E1E2BC9-E2D7-04D2-F59D-52544D295BAB}"/>
+          </ac:picMkLst>
+        </pc:picChg>
+        <pc:picChg chg="add">
+          <ac:chgData name="ARES Christopher" userId="3ff7c12f-b86a-47e0-a114-f78cf92fe63b" providerId="ADAL" clId="{F4340093-B49D-4826-BB78-B08898E27A1C}" dt="2025-11-04T07:23:29.684" v="393" actId="26606"/>
+          <ac:picMkLst>
+            <pc:docMk/>
+            <pc:sldMk cId="4271880762" sldId="259"/>
+            <ac:picMk id="10" creationId="{95DD5BC2-A8E7-4CAD-955A-3807355EC977}"/>
+          </ac:picMkLst>
+        </pc:picChg>
       </pc:sldChg>
       <pc:sldChg chg="delSp modSp new mod">
         <pc:chgData name="ARES Christopher" userId="3ff7c12f-b86a-47e0-a114-f78cf92fe63b" providerId="ADAL" clId="{F4340093-B49D-4826-BB78-B08898E27A1C}" dt="2025-10-30T10:56:42.317" v="385" actId="1076"/>
@@ -242,14 +273,6 @@
             <pc:docMk/>
             <pc:sldMk cId="460906493" sldId="260"/>
             <ac:spMk id="2" creationId="{D19578A9-9269-B315-FF91-5875F46D8663}"/>
-          </ac:spMkLst>
-        </pc:spChg>
-        <pc:spChg chg="del">
-          <ac:chgData name="ARES Christopher" userId="3ff7c12f-b86a-47e0-a114-f78cf92fe63b" providerId="ADAL" clId="{F4340093-B49D-4826-BB78-B08898E27A1C}" dt="2025-10-30T10:55:57.111" v="340" actId="478"/>
-          <ac:spMkLst>
-            <pc:docMk/>
-            <pc:sldMk cId="460906493" sldId="260"/>
-            <ac:spMk id="3" creationId="{6262ACA3-83A3-10B1-50C7-4C0D38E2B352}"/>
           </ac:spMkLst>
         </pc:spChg>
       </pc:sldChg>
@@ -273,6 +296,52 @@
             <pc:docMk/>
             <pc:sldMk cId="2022233137" sldId="261"/>
             <ac:spMk id="3" creationId="{A78B724D-C7D7-C652-1710-65F3F1F6AF3D}"/>
+          </ac:spMkLst>
+        </pc:spChg>
+      </pc:sldChg>
+      <pc:sldChg chg="delSp new mod">
+        <pc:chgData name="ARES Christopher" userId="3ff7c12f-b86a-47e0-a114-f78cf92fe63b" providerId="ADAL" clId="{F4340093-B49D-4826-BB78-B08898E27A1C}" dt="2025-11-04T07:24:30.212" v="397" actId="478"/>
+        <pc:sldMkLst>
+          <pc:docMk/>
+          <pc:sldMk cId="1715093609" sldId="262"/>
+        </pc:sldMkLst>
+        <pc:spChg chg="del">
+          <ac:chgData name="ARES Christopher" userId="3ff7c12f-b86a-47e0-a114-f78cf92fe63b" providerId="ADAL" clId="{F4340093-B49D-4826-BB78-B08898E27A1C}" dt="2025-11-04T07:24:30.212" v="397" actId="478"/>
+          <ac:spMkLst>
+            <pc:docMk/>
+            <pc:sldMk cId="1715093609" sldId="262"/>
+            <ac:spMk id="2" creationId="{B3E0A273-7430-E9C3-3FC2-4CF7CAB3CB88}"/>
+          </ac:spMkLst>
+        </pc:spChg>
+        <pc:spChg chg="del">
+          <ac:chgData name="ARES Christopher" userId="3ff7c12f-b86a-47e0-a114-f78cf92fe63b" providerId="ADAL" clId="{F4340093-B49D-4826-BB78-B08898E27A1C}" dt="2025-11-04T07:24:29.141" v="396" actId="478"/>
+          <ac:spMkLst>
+            <pc:docMk/>
+            <pc:sldMk cId="1715093609" sldId="262"/>
+            <ac:spMk id="3" creationId="{1B67FD8D-5C13-0075-A438-D4E599940B94}"/>
+          </ac:spMkLst>
+        </pc:spChg>
+      </pc:sldChg>
+      <pc:sldChg chg="delSp new mod">
+        <pc:chgData name="ARES Christopher" userId="3ff7c12f-b86a-47e0-a114-f78cf92fe63b" providerId="ADAL" clId="{F4340093-B49D-4826-BB78-B08898E27A1C}" dt="2025-11-04T07:24:34.932" v="399" actId="478"/>
+        <pc:sldMkLst>
+          <pc:docMk/>
+          <pc:sldMk cId="853162683" sldId="263"/>
+        </pc:sldMkLst>
+        <pc:spChg chg="del">
+          <ac:chgData name="ARES Christopher" userId="3ff7c12f-b86a-47e0-a114-f78cf92fe63b" providerId="ADAL" clId="{F4340093-B49D-4826-BB78-B08898E27A1C}" dt="2025-11-04T07:24:34.932" v="399" actId="478"/>
+          <ac:spMkLst>
+            <pc:docMk/>
+            <pc:sldMk cId="853162683" sldId="263"/>
+            <ac:spMk id="2" creationId="{4D768E4D-849B-F314-980F-1974BD1277E1}"/>
+          </ac:spMkLst>
+        </pc:spChg>
+        <pc:spChg chg="del">
+          <ac:chgData name="ARES Christopher" userId="3ff7c12f-b86a-47e0-a114-f78cf92fe63b" providerId="ADAL" clId="{F4340093-B49D-4826-BB78-B08898E27A1C}" dt="2025-11-04T07:24:33.764" v="398" actId="478"/>
+          <ac:spMkLst>
+            <pc:docMk/>
+            <pc:sldMk cId="853162683" sldId="263"/>
+            <ac:spMk id="3" creationId="{1D0801D1-F6C0-0411-0D25-37F6080FC62C}"/>
           </ac:spMkLst>
         </pc:spChg>
       </pc:sldChg>
@@ -451,7 +520,7 @@
           <a:p>
             <a:fld id="{3D2B7B03-2B25-4097-8528-0792338E0FAB}" type="datetimeFigureOut">
               <a:rPr lang="fr-FR" smtClean="0"/>
-              <a:t>30/10/2025</a:t>
+              <a:t>04/11/2025</a:t>
             </a:fld>
             <a:endParaRPr lang="fr-FR"/>
           </a:p>
@@ -718,7 +787,7 @@
           <a:p>
             <a:fld id="{3D2B7B03-2B25-4097-8528-0792338E0FAB}" type="datetimeFigureOut">
               <a:rPr lang="fr-FR" smtClean="0"/>
-              <a:t>30/10/2025</a:t>
+              <a:t>04/11/2025</a:t>
             </a:fld>
             <a:endParaRPr lang="fr-FR"/>
           </a:p>
@@ -949,7 +1018,7 @@
           <a:p>
             <a:fld id="{3D2B7B03-2B25-4097-8528-0792338E0FAB}" type="datetimeFigureOut">
               <a:rPr lang="fr-FR" smtClean="0"/>
-              <a:t>30/10/2025</a:t>
+              <a:t>04/11/2025</a:t>
             </a:fld>
             <a:endParaRPr lang="fr-FR"/>
           </a:p>
@@ -1259,7 +1328,7 @@
           <a:p>
             <a:fld id="{3D2B7B03-2B25-4097-8528-0792338E0FAB}" type="datetimeFigureOut">
               <a:rPr lang="fr-FR" smtClean="0"/>
-              <a:t>30/10/2025</a:t>
+              <a:t>04/11/2025</a:t>
             </a:fld>
             <a:endParaRPr lang="fr-FR"/>
           </a:p>
@@ -1732,7 +1801,7 @@
           <a:p>
             <a:fld id="{3D2B7B03-2B25-4097-8528-0792338E0FAB}" type="datetimeFigureOut">
               <a:rPr lang="fr-FR" smtClean="0"/>
-              <a:t>30/10/2025</a:t>
+              <a:t>04/11/2025</a:t>
             </a:fld>
             <a:endParaRPr lang="fr-FR"/>
           </a:p>
@@ -2279,7 +2348,7 @@
           <a:p>
             <a:fld id="{3D2B7B03-2B25-4097-8528-0792338E0FAB}" type="datetimeFigureOut">
               <a:rPr lang="fr-FR" smtClean="0"/>
-              <a:t>30/10/2025</a:t>
+              <a:t>04/11/2025</a:t>
             </a:fld>
             <a:endParaRPr lang="fr-FR"/>
           </a:p>
@@ -3053,7 +3122,7 @@
           <a:p>
             <a:fld id="{3D2B7B03-2B25-4097-8528-0792338E0FAB}" type="datetimeFigureOut">
               <a:rPr lang="fr-FR" smtClean="0"/>
-              <a:t>30/10/2025</a:t>
+              <a:t>04/11/2025</a:t>
             </a:fld>
             <a:endParaRPr lang="fr-FR"/>
           </a:p>
@@ -3228,7 +3297,7 @@
           <a:p>
             <a:fld id="{3D2B7B03-2B25-4097-8528-0792338E0FAB}" type="datetimeFigureOut">
               <a:rPr lang="fr-FR" smtClean="0"/>
-              <a:t>30/10/2025</a:t>
+              <a:t>04/11/2025</a:t>
             </a:fld>
             <a:endParaRPr lang="fr-FR"/>
           </a:p>
@@ -3451,7 +3520,7 @@
           <a:p>
             <a:fld id="{3D2B7B03-2B25-4097-8528-0792338E0FAB}" type="datetimeFigureOut">
               <a:rPr lang="fr-FR" smtClean="0"/>
-              <a:t>30/10/2025</a:t>
+              <a:t>04/11/2025</a:t>
             </a:fld>
             <a:endParaRPr lang="fr-FR"/>
           </a:p>
@@ -3631,7 +3700,7 @@
           <a:p>
             <a:fld id="{3D2B7B03-2B25-4097-8528-0792338E0FAB}" type="datetimeFigureOut">
               <a:rPr lang="fr-FR" smtClean="0"/>
-              <a:t>30/10/2025</a:t>
+              <a:t>04/11/2025</a:t>
             </a:fld>
             <a:endParaRPr lang="fr-FR"/>
           </a:p>
@@ -3920,7 +3989,7 @@
           <a:p>
             <a:fld id="{3D2B7B03-2B25-4097-8528-0792338E0FAB}" type="datetimeFigureOut">
               <a:rPr lang="fr-FR" smtClean="0"/>
-              <a:t>30/10/2025</a:t>
+              <a:t>04/11/2025</a:t>
             </a:fld>
             <a:endParaRPr lang="fr-FR"/>
           </a:p>
@@ -4162,7 +4231,7 @@
           <a:p>
             <a:fld id="{3D2B7B03-2B25-4097-8528-0792338E0FAB}" type="datetimeFigureOut">
               <a:rPr lang="fr-FR" smtClean="0"/>
-              <a:t>30/10/2025</a:t>
+              <a:t>04/11/2025</a:t>
             </a:fld>
             <a:endParaRPr lang="fr-FR"/>
           </a:p>
@@ -4541,7 +4610,7 @@
           <a:p>
             <a:fld id="{3D2B7B03-2B25-4097-8528-0792338E0FAB}" type="datetimeFigureOut">
               <a:rPr lang="fr-FR" smtClean="0"/>
-              <a:t>30/10/2025</a:t>
+              <a:t>04/11/2025</a:t>
             </a:fld>
             <a:endParaRPr lang="fr-FR"/>
           </a:p>
@@ -4659,7 +4728,7 @@
           <a:p>
             <a:fld id="{3D2B7B03-2B25-4097-8528-0792338E0FAB}" type="datetimeFigureOut">
               <a:rPr lang="fr-FR" smtClean="0"/>
-              <a:t>30/10/2025</a:t>
+              <a:t>04/11/2025</a:t>
             </a:fld>
             <a:endParaRPr lang="fr-FR"/>
           </a:p>
@@ -4754,7 +4823,7 @@
           <a:p>
             <a:fld id="{3D2B7B03-2B25-4097-8528-0792338E0FAB}" type="datetimeFigureOut">
               <a:rPr lang="fr-FR" smtClean="0"/>
-              <a:t>30/10/2025</a:t>
+              <a:t>04/11/2025</a:t>
             </a:fld>
             <a:endParaRPr lang="fr-FR"/>
           </a:p>
@@ -5003,7 +5072,7 @@
           <a:p>
             <a:fld id="{3D2B7B03-2B25-4097-8528-0792338E0FAB}" type="datetimeFigureOut">
               <a:rPr lang="fr-FR" smtClean="0"/>
-              <a:t>30/10/2025</a:t>
+              <a:t>04/11/2025</a:t>
             </a:fld>
             <a:endParaRPr lang="fr-FR"/>
           </a:p>
@@ -5260,7 +5329,7 @@
           <a:p>
             <a:fld id="{3D2B7B03-2B25-4097-8528-0792338E0FAB}" type="datetimeFigureOut">
               <a:rPr lang="fr-FR" smtClean="0"/>
-              <a:t>30/10/2025</a:t>
+              <a:t>04/11/2025</a:t>
             </a:fld>
             <a:endParaRPr lang="fr-FR"/>
           </a:p>
@@ -5503,7 +5572,7 @@
           <a:p>
             <a:fld id="{3D2B7B03-2B25-4097-8528-0792338E0FAB}" type="datetimeFigureOut">
               <a:rPr lang="fr-FR" smtClean="0"/>
-              <a:t>30/10/2025</a:t>
+              <a:t>04/11/2025</a:t>
             </a:fld>
             <a:endParaRPr lang="fr-FR"/>
           </a:p>
@@ -6477,6 +6546,14 @@
 <file path=ppt/slides/slide5.xml><?xml version="1.0" encoding="utf-8"?>
 <p:sld xmlns:a="http://schemas.openxmlformats.org/drawingml/2006/main" xmlns:r="http://schemas.openxmlformats.org/officeDocument/2006/relationships" xmlns:p="http://schemas.openxmlformats.org/presentationml/2006/main">
   <p:cSld>
+    <p:bg>
+      <p:bgPr>
+        <a:solidFill>
+          <a:schemeClr val="bg2"/>
+        </a:solidFill>
+        <a:effectLst/>
+      </p:bgPr>
+    </p:bg>
     <p:spTree>
       <p:nvGrpSpPr>
         <p:cNvPr id="1" name=""/>
@@ -6491,60 +6568,326 @@
           <a:chExt cx="0" cy="0"/>
         </a:xfrm>
       </p:grpSpPr>
-      <p:sp>
-        <p:nvSpPr>
-          <p:cNvPr id="2" name="Titre 1">
+      <p:pic>
+        <p:nvPicPr>
+          <p:cNvPr id="10" name="Picture 9">
             <a:extLst>
               <a:ext uri="{FF2B5EF4-FFF2-40B4-BE49-F238E27FC236}">
-                <a16:creationId xmlns:a16="http://schemas.microsoft.com/office/drawing/2014/main" id="{9C2E6B18-B131-27AB-7C3E-6CE9AAFA8AB5}"/>
+                <a16:creationId xmlns:a16="http://schemas.microsoft.com/office/drawing/2014/main" id="{95DD5BC2-A8E7-4CAD-955A-3807355EC977}"/>
+              </a:ext>
+              <a:ext uri="{C183D7F6-B498-43B3-948B-1728B52AA6E4}">
+                <adec:decorative xmlns:adec="http://schemas.microsoft.com/office/drawing/2017/decorative" val="1"/>
               </a:ext>
             </a:extLst>
           </p:cNvPr>
-          <p:cNvSpPr>
-            <a:spLocks noGrp="1"/>
-          </p:cNvSpPr>
-          <p:nvPr>
-            <p:ph type="title"/>
-          </p:nvPr>
-        </p:nvSpPr>
-        <p:spPr/>
-        <p:txBody>
-          <a:bodyPr/>
-          <a:lstStyle/>
-          <a:p>
-            <a:endParaRPr lang="fr-FR"/>
-          </a:p>
-        </p:txBody>
-      </p:sp>
-      <p:sp>
-        <p:nvSpPr>
-          <p:cNvPr id="3" name="Espace réservé du contenu 2">
+          <p:cNvPicPr>
+            <a:picLocks noGrp="1" noRot="1" noChangeAspect="1" noMove="1" noResize="1" noEditPoints="1" noAdjustHandles="1" noChangeArrowheads="1" noChangeShapeType="1" noCrop="1"/>
+          </p:cNvPicPr>
+          <p:nvPr>
+            <p:extLst>
+              <p:ext uri="{386F3935-93C4-4BCD-93E2-E3B085C9AB24}">
+                <p16:designElem xmlns:p16="http://schemas.microsoft.com/office/powerpoint/2015/main" val="1"/>
+              </p:ext>
+            </p:extLst>
+          </p:nvPr>
+        </p:nvPicPr>
+        <p:blipFill>
+          <a:blip r:embed="rId2">
+            <a:extLst>
+              <a:ext uri="{28A0092B-C50C-407E-A947-70E740481C1C}">
+                <a14:useLocalDpi xmlns:a14="http://schemas.microsoft.com/office/drawing/2010/main" val="0"/>
+              </a:ext>
+            </a:extLst>
+          </a:blip>
+          <a:stretch>
+            <a:fillRect/>
+          </a:stretch>
+        </p:blipFill>
+        <p:spPr>
+          <a:xfrm>
+            <a:off x="0" y="0"/>
+            <a:ext cx="12192000" cy="1441450"/>
+          </a:xfrm>
+          <a:prstGeom prst="rect">
+            <a:avLst/>
+          </a:prstGeom>
+        </p:spPr>
+      </p:pic>
+      <p:sp>
+        <p:nvSpPr>
+          <p:cNvPr id="12" name="Rectangle 11">
             <a:extLst>
               <a:ext uri="{FF2B5EF4-FFF2-40B4-BE49-F238E27FC236}">
-                <a16:creationId xmlns:a16="http://schemas.microsoft.com/office/drawing/2014/main" id="{99E2C55F-B30D-62D0-2511-1CF61662F87C}"/>
+                <a16:creationId xmlns:a16="http://schemas.microsoft.com/office/drawing/2014/main" id="{6DC4C138-BBE2-4601-9B27-F6960A44C582}"/>
+              </a:ext>
+              <a:ext uri="{C183D7F6-B498-43B3-948B-1728B52AA6E4}">
+                <adec:decorative xmlns:adec="http://schemas.microsoft.com/office/drawing/2017/decorative" val="1"/>
               </a:ext>
             </a:extLst>
           </p:cNvPr>
           <p:cNvSpPr>
-            <a:spLocks noGrp="1"/>
-          </p:cNvSpPr>
-          <p:nvPr>
-            <p:ph idx="1"/>
-          </p:nvPr>
-        </p:nvSpPr>
-        <p:spPr/>
-        <p:txBody>
-          <a:bodyPr/>
-          <a:lstStyle/>
-          <a:p>
-            <a:endParaRPr lang="fr-FR"/>
-          </a:p>
-        </p:txBody>
-      </p:sp>
+            <a:spLocks noGrp="1" noRot="1" noChangeAspect="1" noMove="1" noResize="1" noEditPoints="1" noAdjustHandles="1" noChangeArrowheads="1" noChangeShapeType="1" noTextEdit="1"/>
+          </p:cNvSpPr>
+          <p:nvPr>
+            <p:extLst>
+              <p:ext uri="{386F3935-93C4-4BCD-93E2-E3B085C9AB24}">
+                <p16:designElem xmlns:p16="http://schemas.microsoft.com/office/powerpoint/2015/main" val="1"/>
+              </p:ext>
+            </p:extLst>
+          </p:nvPr>
+        </p:nvSpPr>
+        <p:spPr>
+          <a:xfrm>
+            <a:off x="0" y="0"/>
+            <a:ext cx="12192000" cy="6858000"/>
+          </a:xfrm>
+          <a:prstGeom prst="rect">
+            <a:avLst/>
+          </a:prstGeom>
+          <a:solidFill>
+            <a:schemeClr val="bg2"/>
+          </a:solidFill>
+          <a:ln>
+            <a:noFill/>
+          </a:ln>
+        </p:spPr>
+        <p:style>
+          <a:lnRef idx="2">
+            <a:schemeClr val="accent1">
+              <a:shade val="50000"/>
+            </a:schemeClr>
+          </a:lnRef>
+          <a:fillRef idx="1">
+            <a:schemeClr val="accent1"/>
+          </a:fillRef>
+          <a:effectRef idx="0">
+            <a:schemeClr val="accent1"/>
+          </a:effectRef>
+          <a:fontRef idx="minor">
+            <a:schemeClr val="lt1"/>
+          </a:fontRef>
+        </p:style>
+        <p:txBody>
+          <a:bodyPr rtlCol="0" anchor="ctr"/>
+          <a:lstStyle/>
+          <a:p>
+            <a:pPr algn="ctr"/>
+            <a:endParaRPr lang="en-US"/>
+          </a:p>
+        </p:txBody>
+      </p:sp>
+      <p:sp>
+        <p:nvSpPr>
+          <p:cNvPr id="14" name="Rounded Rectangle 11">
+            <a:extLst>
+              <a:ext uri="{FF2B5EF4-FFF2-40B4-BE49-F238E27FC236}">
+                <a16:creationId xmlns:a16="http://schemas.microsoft.com/office/drawing/2014/main" id="{F6555DCA-BE6B-44B7-A0E9-3DF12F930625}"/>
+              </a:ext>
+              <a:ext uri="{C183D7F6-B498-43B3-948B-1728B52AA6E4}">
+                <adec:decorative xmlns:adec="http://schemas.microsoft.com/office/drawing/2017/decorative" val="1"/>
+              </a:ext>
+            </a:extLst>
+          </p:cNvPr>
+          <p:cNvSpPr>
+            <a:spLocks noGrp="1" noRot="1" noChangeAspect="1" noMove="1" noResize="1" noEditPoints="1" noAdjustHandles="1" noChangeArrowheads="1" noChangeShapeType="1" noTextEdit="1"/>
+          </p:cNvSpPr>
+          <p:nvPr>
+            <p:extLst>
+              <p:ext uri="{386F3935-93C4-4BCD-93E2-E3B085C9AB24}">
+                <p16:designElem xmlns:p16="http://schemas.microsoft.com/office/powerpoint/2015/main" val="1"/>
+              </p:ext>
+            </p:extLst>
+          </p:nvPr>
+        </p:nvSpPr>
+        <p:spPr>
+          <a:xfrm>
+            <a:off x="559308" y="562356"/>
+            <a:ext cx="11073384" cy="5733288"/>
+          </a:xfrm>
+          <a:prstGeom prst="roundRect">
+            <a:avLst>
+              <a:gd name="adj" fmla="val 3242"/>
+            </a:avLst>
+          </a:prstGeom>
+          <a:solidFill>
+            <a:srgbClr val="FFFFFF"/>
+          </a:solidFill>
+          <a:ln w="31750">
+            <a:solidFill>
+              <a:schemeClr val="accent1"/>
+            </a:solidFill>
+          </a:ln>
+          <a:effectLst/>
+        </p:spPr>
+        <p:style>
+          <a:lnRef idx="2">
+            <a:schemeClr val="accent1">
+              <a:shade val="50000"/>
+            </a:schemeClr>
+          </a:lnRef>
+          <a:fillRef idx="1">
+            <a:schemeClr val="accent1"/>
+          </a:fillRef>
+          <a:effectRef idx="0">
+            <a:schemeClr val="accent1"/>
+          </a:effectRef>
+          <a:fontRef idx="minor">
+            <a:schemeClr val="lt1"/>
+          </a:fontRef>
+        </p:style>
+        <p:txBody>
+          <a:bodyPr rtlCol="0" anchor="ctr"/>
+          <a:lstStyle/>
+          <a:p>
+            <a:pPr algn="ctr"/>
+            <a:endParaRPr lang="en-US"/>
+          </a:p>
+        </p:txBody>
+      </p:sp>
+      <p:sp>
+        <p:nvSpPr>
+          <p:cNvPr id="16" name="Rounded Rectangle 11">
+            <a:extLst>
+              <a:ext uri="{FF2B5EF4-FFF2-40B4-BE49-F238E27FC236}">
+                <a16:creationId xmlns:a16="http://schemas.microsoft.com/office/drawing/2014/main" id="{7907E280-0DE1-4EDB-A8C9-5C995CAC3C9F}"/>
+              </a:ext>
+              <a:ext uri="{C183D7F6-B498-43B3-948B-1728B52AA6E4}">
+                <adec:decorative xmlns:adec="http://schemas.microsoft.com/office/drawing/2017/decorative" val="1"/>
+              </a:ext>
+            </a:extLst>
+          </p:cNvPr>
+          <p:cNvSpPr>
+            <a:spLocks noGrp="1" noRot="1" noChangeAspect="1" noMove="1" noResize="1" noEditPoints="1" noAdjustHandles="1" noChangeArrowheads="1" noChangeShapeType="1" noTextEdit="1"/>
+          </p:cNvSpPr>
+          <p:nvPr>
+            <p:extLst>
+              <p:ext uri="{386F3935-93C4-4BCD-93E2-E3B085C9AB24}">
+                <p16:designElem xmlns:p16="http://schemas.microsoft.com/office/powerpoint/2015/main" val="1"/>
+              </p:ext>
+            </p:extLst>
+          </p:nvPr>
+        </p:nvSpPr>
+        <p:spPr>
+          <a:xfrm>
+            <a:off x="643403" y="643464"/>
+            <a:ext cx="10905195" cy="5571072"/>
+          </a:xfrm>
+          <a:prstGeom prst="roundRect">
+            <a:avLst>
+              <a:gd name="adj" fmla="val 2403"/>
+            </a:avLst>
+          </a:prstGeom>
+          <a:solidFill>
+            <a:srgbClr val="FFFFFF"/>
+          </a:solidFill>
+          <a:ln>
+            <a:noFill/>
+          </a:ln>
+          <a:effectLst>
+            <a:innerShdw blurRad="114300">
+              <a:prstClr val="black"/>
+            </a:innerShdw>
+          </a:effectLst>
+        </p:spPr>
+        <p:style>
+          <a:lnRef idx="2">
+            <a:schemeClr val="accent1">
+              <a:shade val="50000"/>
+            </a:schemeClr>
+          </a:lnRef>
+          <a:fillRef idx="1">
+            <a:schemeClr val="accent1"/>
+          </a:fillRef>
+          <a:effectRef idx="0">
+            <a:schemeClr val="accent1"/>
+          </a:effectRef>
+          <a:fontRef idx="minor">
+            <a:schemeClr val="lt1"/>
+          </a:fontRef>
+        </p:style>
+        <p:txBody>
+          <a:bodyPr rtlCol="0" anchor="ctr"/>
+          <a:lstStyle/>
+          <a:p>
+            <a:pPr algn="ctr"/>
+            <a:endParaRPr lang="en-US"/>
+          </a:p>
+        </p:txBody>
+      </p:sp>
+      <p:pic>
+        <p:nvPicPr>
+          <p:cNvPr id="5" name="Image 4" descr="Une image contenant texte, capture d’écran, conception&#10;&#10;Le contenu généré par l’IA peut être incorrect.">
+            <a:extLst>
+              <a:ext uri="{FF2B5EF4-FFF2-40B4-BE49-F238E27FC236}">
+                <a16:creationId xmlns:a16="http://schemas.microsoft.com/office/drawing/2014/main" id="{7E1E2BC9-E2D7-04D2-F59D-52544D295BAB}"/>
+              </a:ext>
+            </a:extLst>
+          </p:cNvPr>
+          <p:cNvPicPr>
+            <a:picLocks noChangeAspect="1"/>
+          </p:cNvPicPr>
+          <p:nvPr/>
+        </p:nvPicPr>
+        <p:blipFill>
+          <a:blip r:embed="rId3">
+            <a:extLst>
+              <a:ext uri="{28A0092B-C50C-407E-A947-70E740481C1C}">
+                <a14:useLocalDpi xmlns:a14="http://schemas.microsoft.com/office/drawing/2010/main" val="0"/>
+              </a:ext>
+            </a:extLst>
+          </a:blip>
+          <a:stretch>
+            <a:fillRect/>
+          </a:stretch>
+        </p:blipFill>
+        <p:spPr>
+          <a:xfrm>
+            <a:off x="3834163" y="873252"/>
+            <a:ext cx="4523674" cy="5111496"/>
+          </a:xfrm>
+          <a:prstGeom prst="rect">
+            <a:avLst/>
+          </a:prstGeom>
+          <a:ln w="31750" cap="sq">
+            <a:noFill/>
+            <a:miter lim="800000"/>
+          </a:ln>
+        </p:spPr>
+      </p:pic>
     </p:spTree>
     <p:extLst>
       <p:ext uri="{BB962C8B-B14F-4D97-AF65-F5344CB8AC3E}">
         <p14:creationId xmlns:p14="http://schemas.microsoft.com/office/powerpoint/2010/main" val="4271880762"/>
+      </p:ext>
+    </p:extLst>
+  </p:cSld>
+  <p:clrMapOvr>
+    <a:overrideClrMapping bg1="lt1" tx1="dk1" bg2="lt2" tx2="dk2" accent1="accent1" accent2="accent2" accent3="accent3" accent4="accent4" accent5="accent5" accent6="accent6" hlink="hlink" folHlink="folHlink"/>
+  </p:clrMapOvr>
+</p:sld>
+</file>
+
+<file path=ppt/slides/slide6.xml><?xml version="1.0" encoding="utf-8"?>
+<p:sld xmlns:a="http://schemas.openxmlformats.org/drawingml/2006/main" xmlns:r="http://schemas.openxmlformats.org/officeDocument/2006/relationships" xmlns:p="http://schemas.openxmlformats.org/presentationml/2006/main">
+  <p:cSld>
+    <p:spTree>
+      <p:nvGrpSpPr>
+        <p:cNvPr id="1" name=""/>
+        <p:cNvGrpSpPr/>
+        <p:nvPr/>
+      </p:nvGrpSpPr>
+      <p:grpSpPr>
+        <a:xfrm>
+          <a:off x="0" y="0"/>
+          <a:ext cx="0" cy="0"/>
+          <a:chOff x="0" y="0"/>
+          <a:chExt cx="0" cy="0"/>
+        </a:xfrm>
+      </p:grpSpPr>
+    </p:spTree>
+    <p:extLst>
+      <p:ext uri="{BB962C8B-B14F-4D97-AF65-F5344CB8AC3E}">
+        <p14:creationId xmlns:p14="http://schemas.microsoft.com/office/powerpoint/2010/main" val="1715093609"/>
       </p:ext>
     </p:extLst>
   </p:cSld>
@@ -6554,7 +6897,37 @@
 </p:sld>
 </file>
 
-<file path=ppt/slides/slide6.xml><?xml version="1.0" encoding="utf-8"?>
+<file path=ppt/slides/slide7.xml><?xml version="1.0" encoding="utf-8"?>
+<p:sld xmlns:a="http://schemas.openxmlformats.org/drawingml/2006/main" xmlns:r="http://schemas.openxmlformats.org/officeDocument/2006/relationships" xmlns:p="http://schemas.openxmlformats.org/presentationml/2006/main">
+  <p:cSld>
+    <p:spTree>
+      <p:nvGrpSpPr>
+        <p:cNvPr id="1" name=""/>
+        <p:cNvGrpSpPr/>
+        <p:nvPr/>
+      </p:nvGrpSpPr>
+      <p:grpSpPr>
+        <a:xfrm>
+          <a:off x="0" y="0"/>
+          <a:ext cx="0" cy="0"/>
+          <a:chOff x="0" y="0"/>
+          <a:chExt cx="0" cy="0"/>
+        </a:xfrm>
+      </p:grpSpPr>
+    </p:spTree>
+    <p:extLst>
+      <p:ext uri="{BB962C8B-B14F-4D97-AF65-F5344CB8AC3E}">
+        <p14:creationId xmlns:p14="http://schemas.microsoft.com/office/powerpoint/2010/main" val="853162683"/>
+      </p:ext>
+    </p:extLst>
+  </p:cSld>
+  <p:clrMapOvr>
+    <a:masterClrMapping/>
+  </p:clrMapOvr>
+</p:sld>
+</file>
+
+<file path=ppt/slides/slide8.xml><?xml version="1.0" encoding="utf-8"?>
 <p:sld xmlns:a="http://schemas.openxmlformats.org/drawingml/2006/main" xmlns:r="http://schemas.openxmlformats.org/officeDocument/2006/relationships" xmlns:p="http://schemas.openxmlformats.org/presentationml/2006/main">
   <p:cSld>
     <p:spTree>
